--- a/Slides/Class21.pptx
+++ b/Slides/Class21.pptx
@@ -5,17 +5,15 @@
     <p:sldMasterId id="2147483648" r:id="rId1"/>
   </p:sldMasterIdLst>
   <p:notesMasterIdLst>
-    <p:notesMasterId r:id="rId7"/>
+    <p:notesMasterId r:id="rId5"/>
   </p:notesMasterIdLst>
   <p:handoutMasterIdLst>
-    <p:handoutMasterId r:id="rId8"/>
+    <p:handoutMasterId r:id="rId6"/>
   </p:handoutMasterIdLst>
   <p:sldIdLst>
     <p:sldId id="258" r:id="rId2"/>
-    <p:sldId id="410" r:id="rId3"/>
-    <p:sldId id="376" r:id="rId4"/>
-    <p:sldId id="411" r:id="rId5"/>
-    <p:sldId id="408" r:id="rId6"/>
+    <p:sldId id="411" r:id="rId3"/>
+    <p:sldId id="412" r:id="rId4"/>
   </p:sldIdLst>
   <p:sldSz cx="9144000" cy="6858000" type="screen4x3"/>
   <p:notesSz cx="6858000" cy="9144000"/>
@@ -229,7 +227,7 @@
           <a:p>
             <a:fld id="{C24322AF-E05B-7249-906C-FBAC6154C037}" type="datetimeFigureOut">
               <a:rPr lang="en-US" smtClean="0"/>
-              <a:t>12/11/18</a:t>
+              <a:t>1/24/21</a:t>
             </a:fld>
             <a:endParaRPr lang="en-US"/>
           </a:p>
@@ -395,7 +393,7 @@
             <a:fld id="{06A43BE5-3BD4-F642-8751-88A31D8D6D13}" type="datetimeFigureOut">
               <a:rPr lang="en-US" smtClean="0"/>
               <a:pPr/>
-              <a:t>12/11/18</a:t>
+              <a:t>1/24/21</a:t>
             </a:fld>
             <a:endParaRPr lang="en-US"/>
           </a:p>
@@ -938,7 +936,7 @@
             <a:fld id="{A4FA2B0E-4818-9849-9CF1-1031FD4E1DAB}" type="datetimeFigureOut">
               <a:rPr lang="en-US" smtClean="0"/>
               <a:pPr/>
-              <a:t>12/11/18</a:t>
+              <a:t>1/24/21</a:t>
             </a:fld>
             <a:endParaRPr lang="en-US"/>
           </a:p>
@@ -1103,7 +1101,7 @@
             <a:fld id="{A4FA2B0E-4818-9849-9CF1-1031FD4E1DAB}" type="datetimeFigureOut">
               <a:rPr lang="en-US" smtClean="0"/>
               <a:pPr/>
-              <a:t>12/11/18</a:t>
+              <a:t>1/24/21</a:t>
             </a:fld>
             <a:endParaRPr lang="en-US"/>
           </a:p>
@@ -1278,7 +1276,7 @@
             <a:fld id="{A4FA2B0E-4818-9849-9CF1-1031FD4E1DAB}" type="datetimeFigureOut">
               <a:rPr lang="en-US" smtClean="0"/>
               <a:pPr/>
-              <a:t>12/11/18</a:t>
+              <a:t>1/24/21</a:t>
             </a:fld>
             <a:endParaRPr lang="en-US"/>
           </a:p>
@@ -1443,7 +1441,7 @@
             <a:fld id="{A4FA2B0E-4818-9849-9CF1-1031FD4E1DAB}" type="datetimeFigureOut">
               <a:rPr lang="en-US" smtClean="0"/>
               <a:pPr/>
-              <a:t>12/11/18</a:t>
+              <a:t>1/24/21</a:t>
             </a:fld>
             <a:endParaRPr lang="en-US"/>
           </a:p>
@@ -1685,7 +1683,7 @@
             <a:fld id="{A4FA2B0E-4818-9849-9CF1-1031FD4E1DAB}" type="datetimeFigureOut">
               <a:rPr lang="en-US" smtClean="0"/>
               <a:pPr/>
-              <a:t>12/11/18</a:t>
+              <a:t>1/24/21</a:t>
             </a:fld>
             <a:endParaRPr lang="en-US"/>
           </a:p>
@@ -1967,7 +1965,7 @@
             <a:fld id="{A4FA2B0E-4818-9849-9CF1-1031FD4E1DAB}" type="datetimeFigureOut">
               <a:rPr lang="en-US" smtClean="0"/>
               <a:pPr/>
-              <a:t>12/11/18</a:t>
+              <a:t>1/24/21</a:t>
             </a:fld>
             <a:endParaRPr lang="en-US"/>
           </a:p>
@@ -2383,7 +2381,7 @@
             <a:fld id="{A4FA2B0E-4818-9849-9CF1-1031FD4E1DAB}" type="datetimeFigureOut">
               <a:rPr lang="en-US" smtClean="0"/>
               <a:pPr/>
-              <a:t>12/11/18</a:t>
+              <a:t>1/24/21</a:t>
             </a:fld>
             <a:endParaRPr lang="en-US"/>
           </a:p>
@@ -2497,7 +2495,7 @@
             <a:fld id="{A4FA2B0E-4818-9849-9CF1-1031FD4E1DAB}" type="datetimeFigureOut">
               <a:rPr lang="en-US" smtClean="0"/>
               <a:pPr/>
-              <a:t>12/11/18</a:t>
+              <a:t>1/24/21</a:t>
             </a:fld>
             <a:endParaRPr lang="en-US"/>
           </a:p>
@@ -2589,7 +2587,7 @@
             <a:fld id="{A4FA2B0E-4818-9849-9CF1-1031FD4E1DAB}" type="datetimeFigureOut">
               <a:rPr lang="en-US" smtClean="0"/>
               <a:pPr/>
-              <a:t>12/11/18</a:t>
+              <a:t>1/24/21</a:t>
             </a:fld>
             <a:endParaRPr lang="en-US"/>
           </a:p>
@@ -2861,7 +2859,7 @@
             <a:fld id="{A4FA2B0E-4818-9849-9CF1-1031FD4E1DAB}" type="datetimeFigureOut">
               <a:rPr lang="en-US" smtClean="0"/>
               <a:pPr/>
-              <a:t>12/11/18</a:t>
+              <a:t>1/24/21</a:t>
             </a:fld>
             <a:endParaRPr lang="en-US"/>
           </a:p>
@@ -3110,7 +3108,7 @@
             <a:fld id="{A4FA2B0E-4818-9849-9CF1-1031FD4E1DAB}" type="datetimeFigureOut">
               <a:rPr lang="en-US" smtClean="0"/>
               <a:pPr/>
-              <a:t>12/11/18</a:t>
+              <a:t>1/24/21</a:t>
             </a:fld>
             <a:endParaRPr lang="en-US"/>
           </a:p>
@@ -3318,7 +3316,7 @@
             <a:fld id="{A4FA2B0E-4818-9849-9CF1-1031FD4E1DAB}" type="datetimeFigureOut">
               <a:rPr lang="en-US" smtClean="0"/>
               <a:pPr/>
-              <a:t>12/11/18</a:t>
+              <a:t>1/24/21</a:t>
             </a:fld>
             <a:endParaRPr lang="en-US"/>
           </a:p>
@@ -3731,7 +3729,7 @@
         <p:spPr>
           <a:xfrm>
             <a:off x="722088" y="3711629"/>
-            <a:ext cx="7436528" cy="2062103"/>
+            <a:ext cx="7436528" cy="1077218"/>
           </a:xfrm>
           <a:prstGeom prst="rect">
             <a:avLst/>
@@ -3762,33 +3760,7 @@
                 <a:latin typeface="Times New Roman"/>
                 <a:cs typeface="Times New Roman"/>
               </a:rPr>
-              <a:t>Peer Review of CV/Resume</a:t>
-            </a:r>
-          </a:p>
-          <a:p>
-            <a:pPr marL="568325" indent="-457200">
-              <a:buFont typeface="Arial" panose="020B0604020202020204" pitchFamily="34" charset="0"/>
-              <a:buChar char="•"/>
-            </a:pPr>
-            <a:r>
-              <a:rPr lang="en-US" sz="3200" dirty="0">
-                <a:latin typeface="Times New Roman"/>
-                <a:cs typeface="Times New Roman"/>
-              </a:rPr>
-              <a:t>Peer Review of Cover Letter</a:t>
-            </a:r>
-          </a:p>
-          <a:p>
-            <a:pPr marL="568325" indent="-457200">
-              <a:buFont typeface="Arial" panose="020B0604020202020204" pitchFamily="34" charset="0"/>
-              <a:buChar char="•"/>
-            </a:pPr>
-            <a:r>
-              <a:rPr lang="en-US" sz="3200" dirty="0">
-                <a:latin typeface="Times New Roman"/>
-                <a:cs typeface="Times New Roman"/>
-              </a:rPr>
-              <a:t>Proposal Abstract Writing</a:t>
+              <a:t>Proposal Abstract Review Panel</a:t>
             </a:r>
           </a:p>
         </p:txBody>
@@ -3832,7 +3804,7 @@
         <p:spPr>
           <a:xfrm>
             <a:off x="275549" y="191702"/>
-            <a:ext cx="3837012" cy="553998"/>
+            <a:ext cx="7789248" cy="553998"/>
           </a:xfrm>
           <a:prstGeom prst="rect">
             <a:avLst/>
@@ -3853,7 +3825,47 @@
                 <a:latin typeface="Times New Roman"/>
                 <a:cs typeface="Times New Roman"/>
               </a:rPr>
-              <a:t>Peer Review Activities</a:t>
+              <a:t>Proposal Abstract Review Panel</a:t>
+            </a:r>
+            <a:r>
+              <a:rPr lang="en-US" sz="2400" b="1" dirty="0">
+                <a:solidFill>
+                  <a:prstClr val="black"/>
+                </a:solidFill>
+                <a:latin typeface="Times New Roman"/>
+                <a:cs typeface="Times New Roman"/>
+              </a:rPr>
+              <a:t>  </a:t>
+            </a:r>
+            <a:r>
+              <a:rPr lang="en-US" sz="2400" dirty="0">
+                <a:solidFill>
+                  <a:prstClr val="black"/>
+                </a:solidFill>
+                <a:latin typeface="Times New Roman"/>
+                <a:cs typeface="Times New Roman"/>
+              </a:rPr>
+              <a:t>(</a:t>
+            </a:r>
+            <a:r>
+              <a:rPr lang="en-US" sz="2400" i="1" dirty="0">
+                <a:solidFill>
+                  <a:prstClr val="black"/>
+                </a:solidFill>
+                <a:latin typeface="Times New Roman"/>
+                <a:cs typeface="Times New Roman"/>
+              </a:rPr>
+              <a:t>In-Class Activity</a:t>
+            </a:r>
+            <a:r>
+              <a:rPr lang="en-US" sz="2400" dirty="0">
+                <a:solidFill>
+                  <a:prstClr val="black"/>
+                </a:solidFill>
+                <a:latin typeface="Times New Roman"/>
+                <a:cs typeface="Times New Roman"/>
+              </a:rPr>
+              <a:t>)</a:t>
             </a:r>
             <a:endParaRPr lang="en-US" sz="2400" b="1" dirty="0">
               <a:solidFill>
@@ -3879,8 +3891,8 @@
         </p:nvSpPr>
         <p:spPr>
           <a:xfrm>
-            <a:off x="539603" y="945629"/>
-            <a:ext cx="8450017" cy="3785652"/>
+            <a:off x="539604" y="945629"/>
+            <a:ext cx="8421516" cy="4339650"/>
           </a:xfrm>
           <a:prstGeom prst="rect">
             <a:avLst/>
@@ -3893,7 +3905,13 @@
           </a:bodyPr>
           <a:lstStyle/>
           <a:p>
-            <a:pPr marL="342900" indent="-342900">
+            <a:pPr marL="342900" marR="0" lvl="0" indent="-342900">
+              <a:spcBef>
+                <a:spcPts val="0"/>
+              </a:spcBef>
+              <a:spcAft>
+                <a:spcPts val="0"/>
+              </a:spcAft>
               <a:buFont typeface="Arial" panose="020B0604020202020204" pitchFamily="34" charset="0"/>
               <a:buChar char="•"/>
             </a:pPr>
@@ -3903,7 +3921,7 @@
                 <a:ea typeface="MS Mincho" panose="02020609040205080304" pitchFamily="49" charset="-128"/>
                 <a:cs typeface="Times New Roman" panose="02020603050405020304" pitchFamily="18" charset="0"/>
               </a:rPr>
-              <a:t>Read the entire CV/resume and cover letter</a:t>
+              <a:t>Everybody participates, but three special roles for each abstract</a:t>
             </a:r>
           </a:p>
           <a:p>
@@ -3911,7 +3929,7 @@
               <a:buFont typeface="Arial" panose="020B0604020202020204" pitchFamily="34" charset="0"/>
               <a:buChar char="•"/>
             </a:pPr>
-            <a:endParaRPr lang="en-US" sz="800" dirty="0">
+            <a:endParaRPr lang="en-US" sz="1200" dirty="0">
               <a:latin typeface="Times New Roman" panose="02020603050405020304" pitchFamily="18" charset="0"/>
               <a:ea typeface="MS Mincho" panose="02020609040205080304" pitchFamily="49" charset="-128"/>
               <a:cs typeface="Times New Roman" panose="02020603050405020304" pitchFamily="18" charset="0"/>
@@ -3928,22 +3946,11 @@
                 <a:ea typeface="MS Mincho" panose="02020609040205080304" pitchFamily="49" charset="-128"/>
                 <a:cs typeface="Times New Roman" panose="02020603050405020304" pitchFamily="18" charset="0"/>
               </a:rPr>
-              <a:t>Discuss if they meet the expectations of the genre</a:t>
-            </a:r>
-          </a:p>
-          <a:p>
-            <a:pPr marL="342900" indent="-342900">
-              <a:buFont typeface="Arial" panose="020B0604020202020204" pitchFamily="34" charset="0"/>
-              <a:buChar char="•"/>
-            </a:pPr>
-            <a:endParaRPr lang="en-US" sz="800" dirty="0">
-              <a:latin typeface="Times New Roman" panose="02020603050405020304" pitchFamily="18" charset="0"/>
-              <a:ea typeface="MS Mincho" panose="02020609040205080304" pitchFamily="49" charset="-128"/>
-              <a:cs typeface="Times New Roman" panose="02020603050405020304" pitchFamily="18" charset="0"/>
-            </a:endParaRPr>
-          </a:p>
-          <a:p>
-            <a:pPr marL="342900" indent="-342900">
+              <a:t>Primary reviewer (the ‘manager’)</a:t>
+            </a:r>
+          </a:p>
+          <a:p>
+            <a:pPr marL="800100" lvl="1" indent="-342900">
               <a:buFont typeface="Arial" panose="020B0604020202020204" pitchFamily="34" charset="0"/>
               <a:buChar char="•"/>
             </a:pPr>
@@ -3953,22 +3960,11 @@
                 <a:ea typeface="MS Mincho" panose="02020609040205080304" pitchFamily="49" charset="-128"/>
                 <a:cs typeface="Times New Roman" panose="02020603050405020304" pitchFamily="18" charset="0"/>
               </a:rPr>
-              <a:t>Identify &amp; discuss what is most important, interesting or striking</a:t>
-            </a:r>
-          </a:p>
-          <a:p>
-            <a:pPr marL="342900" indent="-342900">
-              <a:buFont typeface="Arial" panose="020B0604020202020204" pitchFamily="34" charset="0"/>
-              <a:buChar char="•"/>
-            </a:pPr>
-            <a:endParaRPr lang="en-US" sz="800" dirty="0">
-              <a:latin typeface="Times New Roman" panose="02020603050405020304" pitchFamily="18" charset="0"/>
-              <a:ea typeface="MS Mincho" panose="02020609040205080304" pitchFamily="49" charset="-128"/>
-              <a:cs typeface="Times New Roman" panose="02020603050405020304" pitchFamily="18" charset="0"/>
-            </a:endParaRPr>
-          </a:p>
-          <a:p>
-            <a:pPr marL="342900" indent="-342900">
+              <a:t>Leads the discussion </a:t>
+            </a:r>
+          </a:p>
+          <a:p>
+            <a:pPr marL="800100" lvl="1" indent="-342900">
               <a:buFont typeface="Arial" panose="020B0604020202020204" pitchFamily="34" charset="0"/>
               <a:buChar char="•"/>
             </a:pPr>
@@ -3978,22 +3974,11 @@
                 <a:ea typeface="MS Mincho" panose="02020609040205080304" pitchFamily="49" charset="-128"/>
                 <a:cs typeface="Times New Roman" panose="02020603050405020304" pitchFamily="18" charset="0"/>
               </a:rPr>
-              <a:t>Identify &amp; discuss what is almost but not quite said</a:t>
-            </a:r>
-          </a:p>
-          <a:p>
-            <a:pPr marL="342900" indent="-342900">
-              <a:buFont typeface="Arial" panose="020B0604020202020204" pitchFamily="34" charset="0"/>
-              <a:buChar char="•"/>
-            </a:pPr>
-            <a:endParaRPr lang="en-US" sz="800" dirty="0">
-              <a:latin typeface="Times New Roman" panose="02020603050405020304" pitchFamily="18" charset="0"/>
-              <a:ea typeface="MS Mincho" panose="02020609040205080304" pitchFamily="49" charset="-128"/>
-              <a:cs typeface="Times New Roman" panose="02020603050405020304" pitchFamily="18" charset="0"/>
-            </a:endParaRPr>
-          </a:p>
-          <a:p>
-            <a:pPr marL="342900" indent="-342900">
+              <a:t>Gives a short summary of the proposal goals</a:t>
+            </a:r>
+          </a:p>
+          <a:p>
+            <a:pPr marL="800100" lvl="1" indent="-342900">
               <a:buFont typeface="Arial" panose="020B0604020202020204" pitchFamily="34" charset="0"/>
               <a:buChar char="•"/>
             </a:pPr>
@@ -4003,22 +3988,11 @@
                 <a:ea typeface="MS Mincho" panose="02020609040205080304" pitchFamily="49" charset="-128"/>
                 <a:cs typeface="Times New Roman" panose="02020603050405020304" pitchFamily="18" charset="0"/>
               </a:rPr>
-              <a:t>Discuss the strengths &amp; weaknesses based on the rubric</a:t>
-            </a:r>
-          </a:p>
-          <a:p>
-            <a:pPr marL="342900" indent="-342900">
-              <a:buFont typeface="Arial" panose="020B0604020202020204" pitchFamily="34" charset="0"/>
-              <a:buChar char="•"/>
-            </a:pPr>
-            <a:endParaRPr lang="en-US" sz="800" dirty="0">
-              <a:latin typeface="Times New Roman" panose="02020603050405020304" pitchFamily="18" charset="0"/>
-              <a:ea typeface="MS Mincho" panose="02020609040205080304" pitchFamily="49" charset="-128"/>
-              <a:cs typeface="Times New Roman" panose="02020603050405020304" pitchFamily="18" charset="0"/>
-            </a:endParaRPr>
-          </a:p>
-          <a:p>
-            <a:pPr marL="342900" indent="-342900">
+              <a:t>Discusses strengths and possible improvements</a:t>
+            </a:r>
+          </a:p>
+          <a:p>
+            <a:pPr marL="800100" lvl="1" indent="-342900">
               <a:buFont typeface="Arial" panose="020B0604020202020204" pitchFamily="34" charset="0"/>
               <a:buChar char="•"/>
             </a:pPr>
@@ -4028,7 +4002,7 @@
                 <a:ea typeface="MS Mincho" panose="02020609040205080304" pitchFamily="49" charset="-128"/>
                 <a:cs typeface="Times New Roman" panose="02020603050405020304" pitchFamily="18" charset="0"/>
               </a:rPr>
-              <a:t>Feedback should always be constructive!</a:t>
+              <a:t>Opens up the discussion after the secondary reviewer</a:t>
             </a:r>
           </a:p>
           <a:p>
@@ -4036,7 +4010,7 @@
               <a:buFont typeface="Arial" panose="020B0604020202020204" pitchFamily="34" charset="0"/>
               <a:buChar char="•"/>
             </a:pPr>
-            <a:endParaRPr lang="en-US" sz="800" dirty="0">
+            <a:endParaRPr lang="en-US" sz="1200" dirty="0">
               <a:latin typeface="Times New Roman" panose="02020603050405020304" pitchFamily="18" charset="0"/>
               <a:ea typeface="MS Mincho" panose="02020609040205080304" pitchFamily="49" charset="-128"/>
               <a:cs typeface="Times New Roman" panose="02020603050405020304" pitchFamily="18" charset="0"/>
@@ -4049,33 +4023,64 @@
             </a:pPr>
             <a:r>
               <a:rPr lang="en-US" sz="2400" dirty="0">
-                <a:solidFill>
-                  <a:prstClr val="black"/>
-                </a:solidFill>
                 <a:latin typeface="Times New Roman" panose="02020603050405020304" pitchFamily="18" charset="0"/>
+                <a:ea typeface="MS Mincho" panose="02020609040205080304" pitchFamily="49" charset="-128"/>
                 <a:cs typeface="Times New Roman" panose="02020603050405020304" pitchFamily="18" charset="0"/>
               </a:rPr>
-              <a:t>Write down notes on the discussion and give the sheet to the instructor (</a:t>
-            </a:r>
-            <a:r>
-              <a:rPr lang="en-US" sz="2400" i="1" dirty="0">
-                <a:solidFill>
-                  <a:prstClr val="black"/>
-                </a:solidFill>
+              <a:t>Secondary reviewer (the ‘sceptic’)</a:t>
+            </a:r>
+          </a:p>
+          <a:p>
+            <a:pPr marL="800100" lvl="1" indent="-342900">
+              <a:buFont typeface="Arial" panose="020B0604020202020204" pitchFamily="34" charset="0"/>
+              <a:buChar char="•"/>
+            </a:pPr>
+            <a:r>
+              <a:rPr lang="en-US" sz="2400" dirty="0">
                 <a:latin typeface="Times New Roman" panose="02020603050405020304" pitchFamily="18" charset="0"/>
+                <a:ea typeface="MS Mincho" panose="02020609040205080304" pitchFamily="49" charset="-128"/>
                 <a:cs typeface="Times New Roman" panose="02020603050405020304" pitchFamily="18" charset="0"/>
               </a:rPr>
-              <a:t>for an in-class activity grade</a:t>
-            </a:r>
+              <a:t>Discusses strengths and possible improvements</a:t>
+            </a:r>
+          </a:p>
+          <a:p>
+            <a:pPr marL="800100" lvl="1" indent="-342900">
+              <a:buFont typeface="Arial" panose="020B0604020202020204" pitchFamily="34" charset="0"/>
+              <a:buChar char="•"/>
+            </a:pPr>
             <a:r>
               <a:rPr lang="en-US" sz="2400" dirty="0">
-                <a:solidFill>
-                  <a:prstClr val="black"/>
-                </a:solidFill>
                 <a:latin typeface="Times New Roman" panose="02020603050405020304" pitchFamily="18" charset="0"/>
+                <a:ea typeface="MS Mincho" panose="02020609040205080304" pitchFamily="49" charset="-128"/>
                 <a:cs typeface="Times New Roman" panose="02020603050405020304" pitchFamily="18" charset="0"/>
               </a:rPr>
-              <a:t>)</a:t>
+              <a:t>Highlights different opinions from primary reviewer</a:t>
+            </a:r>
+          </a:p>
+          <a:p>
+            <a:pPr marL="342900" indent="-342900">
+              <a:buFont typeface="Arial" panose="020B0604020202020204" pitchFamily="34" charset="0"/>
+              <a:buChar char="•"/>
+            </a:pPr>
+            <a:endParaRPr lang="en-US" sz="1200" dirty="0">
+              <a:latin typeface="Times New Roman" panose="02020603050405020304" pitchFamily="18" charset="0"/>
+              <a:ea typeface="MS Mincho" panose="02020609040205080304" pitchFamily="49" charset="-128"/>
+              <a:cs typeface="Times New Roman" panose="02020603050405020304" pitchFamily="18" charset="0"/>
+            </a:endParaRPr>
+          </a:p>
+          <a:p>
+            <a:pPr marL="342900" indent="-342900">
+              <a:buFont typeface="Arial" panose="020B0604020202020204" pitchFamily="34" charset="0"/>
+              <a:buChar char="•"/>
+            </a:pPr>
+            <a:r>
+              <a:rPr lang="en-US" sz="2400" dirty="0">
+                <a:latin typeface="Times New Roman" panose="02020603050405020304" pitchFamily="18" charset="0"/>
+                <a:ea typeface="MS Mincho" panose="02020609040205080304" pitchFamily="49" charset="-128"/>
+                <a:cs typeface="Times New Roman" panose="02020603050405020304" pitchFamily="18" charset="0"/>
+              </a:rPr>
+              <a:t>Recorder: takes notes and summarizes the discussion</a:t>
             </a:r>
           </a:p>
         </p:txBody>
@@ -4083,7 +4088,7 @@
     </p:spTree>
     <p:extLst>
       <p:ext uri="{BB962C8B-B14F-4D97-AF65-F5344CB8AC3E}">
-        <p14:creationId xmlns:p14="http://schemas.microsoft.com/office/powerpoint/2010/main" val="2767544683"/>
+        <p14:creationId xmlns:p14="http://schemas.microsoft.com/office/powerpoint/2010/main" val="1480707340"/>
       </p:ext>
     </p:extLst>
   </p:cSld>
@@ -4119,7 +4124,7 @@
         <p:spPr>
           <a:xfrm>
             <a:off x="275549" y="191702"/>
-            <a:ext cx="8005910" cy="553998"/>
+            <a:ext cx="5855193" cy="553998"/>
           </a:xfrm>
           <a:prstGeom prst="rect">
             <a:avLst/>
@@ -4140,37 +4145,7 @@
                 <a:latin typeface="Times New Roman"/>
                 <a:cs typeface="Times New Roman"/>
               </a:rPr>
-              <a:t>Writing a Proposal Abstract  </a:t>
-            </a:r>
-            <a:r>
-              <a:rPr lang="en-US" sz="2400" dirty="0">
-                <a:solidFill>
-                  <a:prstClr val="black"/>
-                </a:solidFill>
-                <a:latin typeface="Times New Roman"/>
-                <a:cs typeface="Times New Roman"/>
-              </a:rPr>
-              <a:t>(</a:t>
-            </a:r>
-            <a:r>
-              <a:rPr lang="en-US" sz="2400" i="1" dirty="0">
-                <a:solidFill>
-                  <a:prstClr val="black"/>
-                </a:solidFill>
-                <a:latin typeface="Times New Roman"/>
-                <a:cs typeface="Times New Roman"/>
-              </a:rPr>
-              <a:t>In-Class &amp; Homework</a:t>
-            </a:r>
-            <a:r>
-              <a:rPr lang="en-US" sz="2400" dirty="0">
-                <a:solidFill>
-                  <a:prstClr val="black"/>
-                </a:solidFill>
-                <a:latin typeface="Times New Roman"/>
-                <a:cs typeface="Times New Roman"/>
-              </a:rPr>
-              <a:t>)</a:t>
+              <a:t>Proposal Abstract Review Criteria</a:t>
             </a:r>
             <a:endParaRPr lang="en-US" sz="2400" b="1" dirty="0">
               <a:solidFill>
@@ -4197,7 +4172,7 @@
         <p:spPr>
           <a:xfrm>
             <a:off x="539604" y="945629"/>
-            <a:ext cx="8147196" cy="5447645"/>
+            <a:ext cx="8421516" cy="2677656"/>
           </a:xfrm>
           <a:prstGeom prst="rect">
             <a:avLst/>
@@ -4226,7 +4201,7 @@
                 <a:ea typeface="MS Mincho" panose="02020609040205080304" pitchFamily="49" charset="-128"/>
                 <a:cs typeface="Times New Roman" panose="02020603050405020304" pitchFamily="18" charset="0"/>
               </a:rPr>
-              <a:t>Every student picks something they would like to propose for (funding, research time, etc.), related to their research area</a:t>
+              <a:t>Is it clear to which organization the proposal is addressed?</a:t>
             </a:r>
           </a:p>
           <a:p>
@@ -4251,7 +4226,7 @@
                 <a:ea typeface="MS Mincho" panose="02020609040205080304" pitchFamily="49" charset="-128"/>
                 <a:cs typeface="Times New Roman" panose="02020603050405020304" pitchFamily="18" charset="0"/>
               </a:rPr>
-              <a:t>Every student writes an abstract for a proposal, including an appealing title; maximum of 150 words for the abstract </a:t>
+              <a:t>Is it clear what is being asked for?</a:t>
             </a:r>
           </a:p>
           <a:p>
@@ -4276,7 +4251,7 @@
                 <a:ea typeface="MS Mincho" panose="02020609040205080304" pitchFamily="49" charset="-128"/>
                 <a:cs typeface="Times New Roman" panose="02020603050405020304" pitchFamily="18" charset="0"/>
               </a:rPr>
-              <a:t>The abstract should be submitted in editable format; and it should clearly state which organization this proposal is for</a:t>
+              <a:t>Is there a clear motivation for the request?</a:t>
             </a:r>
           </a:p>
           <a:p>
@@ -4301,7 +4276,7 @@
                 <a:ea typeface="MS Mincho" panose="02020609040205080304" pitchFamily="49" charset="-128"/>
                 <a:cs typeface="Times New Roman" panose="02020603050405020304" pitchFamily="18" charset="0"/>
               </a:rPr>
-              <a:t>There is opportunity to work on the abstract in class today</a:t>
+              <a:t>Is there an appealing title?</a:t>
             </a:r>
           </a:p>
           <a:p>
@@ -4326,32 +4301,7 @@
                 <a:ea typeface="MS Mincho" panose="02020609040205080304" pitchFamily="49" charset="-128"/>
                 <a:cs typeface="Times New Roman" panose="02020603050405020304" pitchFamily="18" charset="0"/>
               </a:rPr>
-              <a:t>The abstract should be submitted via e-mail to the instructor by the end of this week</a:t>
-            </a:r>
-          </a:p>
-          <a:p>
-            <a:pPr marL="342900" indent="-342900">
-              <a:buFont typeface="Arial" panose="020B0604020202020204" pitchFamily="34" charset="0"/>
-              <a:buChar char="•"/>
-            </a:pPr>
-            <a:endParaRPr lang="en-US" sz="1200" dirty="0">
-              <a:latin typeface="Times New Roman" panose="02020603050405020304" pitchFamily="18" charset="0"/>
-              <a:ea typeface="MS Mincho" panose="02020609040205080304" pitchFamily="49" charset="-128"/>
-              <a:cs typeface="Times New Roman" panose="02020603050405020304" pitchFamily="18" charset="0"/>
-            </a:endParaRPr>
-          </a:p>
-          <a:p>
-            <a:pPr marL="342900" indent="-342900">
-              <a:buFont typeface="Arial" panose="020B0604020202020204" pitchFamily="34" charset="0"/>
-              <a:buChar char="•"/>
-            </a:pPr>
-            <a:r>
-              <a:rPr lang="en-US" sz="2400" dirty="0">
-                <a:latin typeface="Times New Roman" panose="02020603050405020304" pitchFamily="18" charset="0"/>
-                <a:ea typeface="MS Mincho" panose="02020609040205080304" pitchFamily="49" charset="-128"/>
-                <a:cs typeface="Times New Roman" panose="02020603050405020304" pitchFamily="18" charset="0"/>
-              </a:rPr>
-              <a:t>The instructor will anonymize all abstracts and send them around, so everybody can read the proposals for next week’s classes in which we will have mock panel reviews</a:t>
+              <a:t>Is the abstract overall appealing?</a:t>
             </a:r>
           </a:p>
         </p:txBody>
@@ -4359,556 +4309,7 @@
     </p:spTree>
     <p:extLst>
       <p:ext uri="{BB962C8B-B14F-4D97-AF65-F5344CB8AC3E}">
-        <p14:creationId xmlns:p14="http://schemas.microsoft.com/office/powerpoint/2010/main" val="3059200128"/>
-      </p:ext>
-    </p:extLst>
-  </p:cSld>
-  <p:clrMapOvr>
-    <a:masterClrMapping/>
-  </p:clrMapOvr>
-</p:sld>
-</file>
-
-<file path=ppt/slides/slide4.xml><?xml version="1.0" encoding="utf-8"?>
-<p:sld xmlns:a="http://schemas.openxmlformats.org/drawingml/2006/main" xmlns:r="http://schemas.openxmlformats.org/officeDocument/2006/relationships" xmlns:p="http://schemas.openxmlformats.org/presentationml/2006/main">
-  <p:cSld>
-    <p:spTree>
-      <p:nvGrpSpPr>
-        <p:cNvPr id="1" name=""/>
-        <p:cNvGrpSpPr/>
-        <p:nvPr/>
-      </p:nvGrpSpPr>
-      <p:grpSpPr>
-        <a:xfrm>
-          <a:off x="0" y="0"/>
-          <a:ext cx="0" cy="0"/>
-          <a:chOff x="0" y="0"/>
-          <a:chExt cx="0" cy="0"/>
-        </a:xfrm>
-      </p:grpSpPr>
-      <p:sp>
-        <p:nvSpPr>
-          <p:cNvPr id="4" name="TextBox 3"/>
-          <p:cNvSpPr txBox="1"/>
-          <p:nvPr/>
-        </p:nvSpPr>
-        <p:spPr>
-          <a:xfrm>
-            <a:off x="275549" y="191702"/>
-            <a:ext cx="7789248" cy="553998"/>
-          </a:xfrm>
-          <a:prstGeom prst="rect">
-            <a:avLst/>
-          </a:prstGeom>
-          <a:noFill/>
-        </p:spPr>
-        <p:txBody>
-          <a:bodyPr wrap="none" rtlCol="0">
-            <a:spAutoFit/>
-          </a:bodyPr>
-          <a:lstStyle/>
-          <a:p>
-            <a:r>
-              <a:rPr lang="en-US" sz="3000" b="1" dirty="0">
-                <a:solidFill>
-                  <a:prstClr val="black"/>
-                </a:solidFill>
-                <a:latin typeface="Times New Roman"/>
-                <a:cs typeface="Times New Roman"/>
-              </a:rPr>
-              <a:t>Proposal Abstract Review Panel</a:t>
-            </a:r>
-            <a:r>
-              <a:rPr lang="en-US" sz="2400" b="1" dirty="0">
-                <a:solidFill>
-                  <a:prstClr val="black"/>
-                </a:solidFill>
-                <a:latin typeface="Times New Roman"/>
-                <a:cs typeface="Times New Roman"/>
-              </a:rPr>
-              <a:t>  </a:t>
-            </a:r>
-            <a:r>
-              <a:rPr lang="en-US" sz="2400" dirty="0">
-                <a:solidFill>
-                  <a:prstClr val="black"/>
-                </a:solidFill>
-                <a:latin typeface="Times New Roman"/>
-                <a:cs typeface="Times New Roman"/>
-              </a:rPr>
-              <a:t>(</a:t>
-            </a:r>
-            <a:r>
-              <a:rPr lang="en-US" sz="2400" i="1" dirty="0">
-                <a:solidFill>
-                  <a:prstClr val="black"/>
-                </a:solidFill>
-                <a:latin typeface="Times New Roman"/>
-                <a:cs typeface="Times New Roman"/>
-              </a:rPr>
-              <a:t>In-Class Activity</a:t>
-            </a:r>
-            <a:r>
-              <a:rPr lang="en-US" sz="2400" dirty="0">
-                <a:solidFill>
-                  <a:prstClr val="black"/>
-                </a:solidFill>
-                <a:latin typeface="Times New Roman"/>
-                <a:cs typeface="Times New Roman"/>
-              </a:rPr>
-              <a:t>)</a:t>
-            </a:r>
-            <a:endParaRPr lang="en-US" sz="2400" b="1" dirty="0">
-              <a:solidFill>
-                <a:prstClr val="black"/>
-              </a:solidFill>
-              <a:latin typeface="Times New Roman"/>
-              <a:cs typeface="Times New Roman"/>
-            </a:endParaRPr>
-          </a:p>
-        </p:txBody>
-      </p:sp>
-      <p:sp>
-        <p:nvSpPr>
-          <p:cNvPr id="6" name="TextBox 5">
-            <a:extLst>
-              <a:ext uri="{FF2B5EF4-FFF2-40B4-BE49-F238E27FC236}">
-                <a16:creationId xmlns:a16="http://schemas.microsoft.com/office/drawing/2014/main" id="{878A97EC-2834-8447-A6B8-2F5335C4C2C1}"/>
-              </a:ext>
-            </a:extLst>
-          </p:cNvPr>
-          <p:cNvSpPr txBox="1"/>
-          <p:nvPr/>
-        </p:nvSpPr>
-        <p:spPr>
-          <a:xfrm>
-            <a:off x="539604" y="945629"/>
-            <a:ext cx="8421516" cy="4339650"/>
-          </a:xfrm>
-          <a:prstGeom prst="rect">
-            <a:avLst/>
-          </a:prstGeom>
-          <a:noFill/>
-        </p:spPr>
-        <p:txBody>
-          <a:bodyPr wrap="square" rtlCol="0">
-            <a:spAutoFit/>
-          </a:bodyPr>
-          <a:lstStyle/>
-          <a:p>
-            <a:pPr marL="342900" marR="0" lvl="0" indent="-342900">
-              <a:spcBef>
-                <a:spcPts val="0"/>
-              </a:spcBef>
-              <a:spcAft>
-                <a:spcPts val="0"/>
-              </a:spcAft>
-              <a:buFont typeface="Arial" panose="020B0604020202020204" pitchFamily="34" charset="0"/>
-              <a:buChar char="•"/>
-            </a:pPr>
-            <a:r>
-              <a:rPr lang="en-US" sz="2400" dirty="0">
-                <a:latin typeface="Times New Roman" panose="02020603050405020304" pitchFamily="18" charset="0"/>
-                <a:ea typeface="MS Mincho" panose="02020609040205080304" pitchFamily="49" charset="-128"/>
-                <a:cs typeface="Times New Roman" panose="02020603050405020304" pitchFamily="18" charset="0"/>
-              </a:rPr>
-              <a:t>Everybody participates, but three special roles for each abstract</a:t>
-            </a:r>
-          </a:p>
-          <a:p>
-            <a:pPr marL="342900" indent="-342900">
-              <a:buFont typeface="Arial" panose="020B0604020202020204" pitchFamily="34" charset="0"/>
-              <a:buChar char="•"/>
-            </a:pPr>
-            <a:endParaRPr lang="en-US" sz="1200" dirty="0">
-              <a:latin typeface="Times New Roman" panose="02020603050405020304" pitchFamily="18" charset="0"/>
-              <a:ea typeface="MS Mincho" panose="02020609040205080304" pitchFamily="49" charset="-128"/>
-              <a:cs typeface="Times New Roman" panose="02020603050405020304" pitchFamily="18" charset="0"/>
-            </a:endParaRPr>
-          </a:p>
-          <a:p>
-            <a:pPr marL="342900" indent="-342900">
-              <a:buFont typeface="Arial" panose="020B0604020202020204" pitchFamily="34" charset="0"/>
-              <a:buChar char="•"/>
-            </a:pPr>
-            <a:r>
-              <a:rPr lang="en-US" sz="2400" dirty="0">
-                <a:latin typeface="Times New Roman" panose="02020603050405020304" pitchFamily="18" charset="0"/>
-                <a:ea typeface="MS Mincho" panose="02020609040205080304" pitchFamily="49" charset="-128"/>
-                <a:cs typeface="Times New Roman" panose="02020603050405020304" pitchFamily="18" charset="0"/>
-              </a:rPr>
-              <a:t>Primary reviewer (the ‘manager’)</a:t>
-            </a:r>
-          </a:p>
-          <a:p>
-            <a:pPr marL="800100" lvl="1" indent="-342900">
-              <a:buFont typeface="Arial" panose="020B0604020202020204" pitchFamily="34" charset="0"/>
-              <a:buChar char="•"/>
-            </a:pPr>
-            <a:r>
-              <a:rPr lang="en-US" sz="2400" dirty="0">
-                <a:latin typeface="Times New Roman" panose="02020603050405020304" pitchFamily="18" charset="0"/>
-                <a:ea typeface="MS Mincho" panose="02020609040205080304" pitchFamily="49" charset="-128"/>
-                <a:cs typeface="Times New Roman" panose="02020603050405020304" pitchFamily="18" charset="0"/>
-              </a:rPr>
-              <a:t>Leads the discussion </a:t>
-            </a:r>
-          </a:p>
-          <a:p>
-            <a:pPr marL="800100" lvl="1" indent="-342900">
-              <a:buFont typeface="Arial" panose="020B0604020202020204" pitchFamily="34" charset="0"/>
-              <a:buChar char="•"/>
-            </a:pPr>
-            <a:r>
-              <a:rPr lang="en-US" sz="2400" dirty="0">
-                <a:latin typeface="Times New Roman" panose="02020603050405020304" pitchFamily="18" charset="0"/>
-                <a:ea typeface="MS Mincho" panose="02020609040205080304" pitchFamily="49" charset="-128"/>
-                <a:cs typeface="Times New Roman" panose="02020603050405020304" pitchFamily="18" charset="0"/>
-              </a:rPr>
-              <a:t>Gives a short summary of the proposal goals</a:t>
-            </a:r>
-          </a:p>
-          <a:p>
-            <a:pPr marL="800100" lvl="1" indent="-342900">
-              <a:buFont typeface="Arial" panose="020B0604020202020204" pitchFamily="34" charset="0"/>
-              <a:buChar char="•"/>
-            </a:pPr>
-            <a:r>
-              <a:rPr lang="en-US" sz="2400" dirty="0">
-                <a:latin typeface="Times New Roman" panose="02020603050405020304" pitchFamily="18" charset="0"/>
-                <a:ea typeface="MS Mincho" panose="02020609040205080304" pitchFamily="49" charset="-128"/>
-                <a:cs typeface="Times New Roman" panose="02020603050405020304" pitchFamily="18" charset="0"/>
-              </a:rPr>
-              <a:t>Discusses strengths and possible improvements</a:t>
-            </a:r>
-          </a:p>
-          <a:p>
-            <a:pPr marL="800100" lvl="1" indent="-342900">
-              <a:buFont typeface="Arial" panose="020B0604020202020204" pitchFamily="34" charset="0"/>
-              <a:buChar char="•"/>
-            </a:pPr>
-            <a:r>
-              <a:rPr lang="en-US" sz="2400" dirty="0">
-                <a:latin typeface="Times New Roman" panose="02020603050405020304" pitchFamily="18" charset="0"/>
-                <a:ea typeface="MS Mincho" panose="02020609040205080304" pitchFamily="49" charset="-128"/>
-                <a:cs typeface="Times New Roman" panose="02020603050405020304" pitchFamily="18" charset="0"/>
-              </a:rPr>
-              <a:t>Opens up the discussion after the secondary reviewer</a:t>
-            </a:r>
-          </a:p>
-          <a:p>
-            <a:pPr marL="342900" indent="-342900">
-              <a:buFont typeface="Arial" panose="020B0604020202020204" pitchFamily="34" charset="0"/>
-              <a:buChar char="•"/>
-            </a:pPr>
-            <a:endParaRPr lang="en-US" sz="1200" dirty="0">
-              <a:latin typeface="Times New Roman" panose="02020603050405020304" pitchFamily="18" charset="0"/>
-              <a:ea typeface="MS Mincho" panose="02020609040205080304" pitchFamily="49" charset="-128"/>
-              <a:cs typeface="Times New Roman" panose="02020603050405020304" pitchFamily="18" charset="0"/>
-            </a:endParaRPr>
-          </a:p>
-          <a:p>
-            <a:pPr marL="342900" indent="-342900">
-              <a:buFont typeface="Arial" panose="020B0604020202020204" pitchFamily="34" charset="0"/>
-              <a:buChar char="•"/>
-            </a:pPr>
-            <a:r>
-              <a:rPr lang="en-US" sz="2400" dirty="0">
-                <a:latin typeface="Times New Roman" panose="02020603050405020304" pitchFamily="18" charset="0"/>
-                <a:ea typeface="MS Mincho" panose="02020609040205080304" pitchFamily="49" charset="-128"/>
-                <a:cs typeface="Times New Roman" panose="02020603050405020304" pitchFamily="18" charset="0"/>
-              </a:rPr>
-              <a:t>Secondary reviewer (the ‘sceptic’)</a:t>
-            </a:r>
-          </a:p>
-          <a:p>
-            <a:pPr marL="800100" lvl="1" indent="-342900">
-              <a:buFont typeface="Arial" panose="020B0604020202020204" pitchFamily="34" charset="0"/>
-              <a:buChar char="•"/>
-            </a:pPr>
-            <a:r>
-              <a:rPr lang="en-US" sz="2400" dirty="0">
-                <a:latin typeface="Times New Roman" panose="02020603050405020304" pitchFamily="18" charset="0"/>
-                <a:ea typeface="MS Mincho" panose="02020609040205080304" pitchFamily="49" charset="-128"/>
-                <a:cs typeface="Times New Roman" panose="02020603050405020304" pitchFamily="18" charset="0"/>
-              </a:rPr>
-              <a:t>Discusses strengths and possible improvements</a:t>
-            </a:r>
-          </a:p>
-          <a:p>
-            <a:pPr marL="800100" lvl="1" indent="-342900">
-              <a:buFont typeface="Arial" panose="020B0604020202020204" pitchFamily="34" charset="0"/>
-              <a:buChar char="•"/>
-            </a:pPr>
-            <a:r>
-              <a:rPr lang="en-US" sz="2400" dirty="0">
-                <a:latin typeface="Times New Roman" panose="02020603050405020304" pitchFamily="18" charset="0"/>
-                <a:ea typeface="MS Mincho" panose="02020609040205080304" pitchFamily="49" charset="-128"/>
-                <a:cs typeface="Times New Roman" panose="02020603050405020304" pitchFamily="18" charset="0"/>
-              </a:rPr>
-              <a:t>Highlights different opinions from primary reviewer</a:t>
-            </a:r>
-          </a:p>
-          <a:p>
-            <a:pPr marL="342900" indent="-342900">
-              <a:buFont typeface="Arial" panose="020B0604020202020204" pitchFamily="34" charset="0"/>
-              <a:buChar char="•"/>
-            </a:pPr>
-            <a:endParaRPr lang="en-US" sz="1200" dirty="0">
-              <a:latin typeface="Times New Roman" panose="02020603050405020304" pitchFamily="18" charset="0"/>
-              <a:ea typeface="MS Mincho" panose="02020609040205080304" pitchFamily="49" charset="-128"/>
-              <a:cs typeface="Times New Roman" panose="02020603050405020304" pitchFamily="18" charset="0"/>
-            </a:endParaRPr>
-          </a:p>
-          <a:p>
-            <a:pPr marL="342900" indent="-342900">
-              <a:buFont typeface="Arial" panose="020B0604020202020204" pitchFamily="34" charset="0"/>
-              <a:buChar char="•"/>
-            </a:pPr>
-            <a:r>
-              <a:rPr lang="en-US" sz="2400" dirty="0">
-                <a:latin typeface="Times New Roman" panose="02020603050405020304" pitchFamily="18" charset="0"/>
-                <a:ea typeface="MS Mincho" panose="02020609040205080304" pitchFamily="49" charset="-128"/>
-                <a:cs typeface="Times New Roman" panose="02020603050405020304" pitchFamily="18" charset="0"/>
-              </a:rPr>
-              <a:t>Recorder: takes notes and summarizes the discussion</a:t>
-            </a:r>
-          </a:p>
-        </p:txBody>
-      </p:sp>
-    </p:spTree>
-    <p:extLst>
-      <p:ext uri="{BB962C8B-B14F-4D97-AF65-F5344CB8AC3E}">
-        <p14:creationId xmlns:p14="http://schemas.microsoft.com/office/powerpoint/2010/main" val="1480707340"/>
-      </p:ext>
-    </p:extLst>
-  </p:cSld>
-  <p:clrMapOvr>
-    <a:masterClrMapping/>
-  </p:clrMapOvr>
-</p:sld>
-</file>
-
-<file path=ppt/slides/slide5.xml><?xml version="1.0" encoding="utf-8"?>
-<p:sld xmlns:a="http://schemas.openxmlformats.org/drawingml/2006/main" xmlns:r="http://schemas.openxmlformats.org/officeDocument/2006/relationships" xmlns:p="http://schemas.openxmlformats.org/presentationml/2006/main">
-  <p:cSld>
-    <p:spTree>
-      <p:nvGrpSpPr>
-        <p:cNvPr id="1" name=""/>
-        <p:cNvGrpSpPr/>
-        <p:nvPr/>
-      </p:nvGrpSpPr>
-      <p:grpSpPr>
-        <a:xfrm>
-          <a:off x="0" y="0"/>
-          <a:ext cx="0" cy="0"/>
-          <a:chOff x="0" y="0"/>
-          <a:chExt cx="0" cy="0"/>
-        </a:xfrm>
-      </p:grpSpPr>
-      <p:sp>
-        <p:nvSpPr>
-          <p:cNvPr id="4" name="TextBox 3"/>
-          <p:cNvSpPr txBox="1"/>
-          <p:nvPr/>
-        </p:nvSpPr>
-        <p:spPr>
-          <a:xfrm>
-            <a:off x="275549" y="191702"/>
-            <a:ext cx="5601790" cy="553998"/>
-          </a:xfrm>
-          <a:prstGeom prst="rect">
-            <a:avLst/>
-          </a:prstGeom>
-          <a:noFill/>
-        </p:spPr>
-        <p:txBody>
-          <a:bodyPr wrap="none" rtlCol="0">
-            <a:spAutoFit/>
-          </a:bodyPr>
-          <a:lstStyle/>
-          <a:p>
-            <a:r>
-              <a:rPr lang="en-US" sz="3000" b="1" dirty="0">
-                <a:solidFill>
-                  <a:prstClr val="black"/>
-                </a:solidFill>
-                <a:latin typeface="Times New Roman"/>
-                <a:cs typeface="Times New Roman"/>
-              </a:rPr>
-              <a:t>Undergraduate Research Project</a:t>
-            </a:r>
-            <a:endParaRPr lang="en-US" sz="2400" b="1" dirty="0">
-              <a:solidFill>
-                <a:prstClr val="black"/>
-              </a:solidFill>
-              <a:latin typeface="Times New Roman"/>
-              <a:cs typeface="Times New Roman"/>
-            </a:endParaRPr>
-          </a:p>
-        </p:txBody>
-      </p:sp>
-      <p:sp>
-        <p:nvSpPr>
-          <p:cNvPr id="6" name="TextBox 5">
-            <a:extLst>
-              <a:ext uri="{FF2B5EF4-FFF2-40B4-BE49-F238E27FC236}">
-                <a16:creationId xmlns:a16="http://schemas.microsoft.com/office/drawing/2014/main" id="{878A97EC-2834-8447-A6B8-2F5335C4C2C1}"/>
-              </a:ext>
-            </a:extLst>
-          </p:cNvPr>
-          <p:cNvSpPr txBox="1"/>
-          <p:nvPr/>
-        </p:nvSpPr>
-        <p:spPr>
-          <a:xfrm>
-            <a:off x="539603" y="945629"/>
-            <a:ext cx="8375797" cy="3539430"/>
-          </a:xfrm>
-          <a:prstGeom prst="rect">
-            <a:avLst/>
-          </a:prstGeom>
-          <a:noFill/>
-        </p:spPr>
-        <p:txBody>
-          <a:bodyPr wrap="square" rtlCol="0">
-            <a:spAutoFit/>
-          </a:bodyPr>
-          <a:lstStyle/>
-          <a:p>
-            <a:pPr marL="342900" indent="-342900">
-              <a:buFont typeface="Arial" panose="020B0604020202020204" pitchFamily="34" charset="0"/>
-              <a:buChar char="•"/>
-            </a:pPr>
-            <a:r>
-              <a:rPr lang="en-US" sz="2400" dirty="0">
-                <a:latin typeface="Times New Roman" panose="02020603050405020304" pitchFamily="18" charset="0"/>
-                <a:ea typeface="MS Mincho" panose="02020609040205080304" pitchFamily="49" charset="-128"/>
-                <a:cs typeface="Times New Roman" panose="02020603050405020304" pitchFamily="18" charset="0"/>
-              </a:rPr>
-              <a:t>In less than 3 weeks: abstract &amp; presentation of research project  </a:t>
-            </a:r>
-            <a:r>
-              <a:rPr lang="en-US" sz="2400" dirty="0">
-                <a:latin typeface="Times New Roman" panose="02020603050405020304" pitchFamily="18" charset="0"/>
-                <a:ea typeface="MS Mincho" panose="02020609040205080304" pitchFamily="49" charset="-128"/>
-                <a:cs typeface="Times New Roman" panose="02020603050405020304" pitchFamily="18" charset="0"/>
-                <a:sym typeface="Wingdings" pitchFamily="2" charset="2"/>
-              </a:rPr>
-              <a:t>  few weeks left to establish a research project</a:t>
-            </a:r>
-            <a:endParaRPr lang="en-US" sz="2400" dirty="0">
-              <a:latin typeface="Times New Roman" panose="02020603050405020304" pitchFamily="18" charset="0"/>
-              <a:ea typeface="MS Mincho" panose="02020609040205080304" pitchFamily="49" charset="-128"/>
-              <a:cs typeface="Times New Roman" panose="02020603050405020304" pitchFamily="18" charset="0"/>
-            </a:endParaRPr>
-          </a:p>
-          <a:p>
-            <a:pPr marL="342900" indent="-342900">
-              <a:buFont typeface="Arial" panose="020B0604020202020204" pitchFamily="34" charset="0"/>
-              <a:buChar char="•"/>
-            </a:pPr>
-            <a:endParaRPr lang="en-US" sz="800" dirty="0">
-              <a:latin typeface="Times New Roman" panose="02020603050405020304" pitchFamily="18" charset="0"/>
-              <a:ea typeface="MS Mincho" panose="02020609040205080304" pitchFamily="49" charset="-128"/>
-              <a:cs typeface="Times New Roman" panose="02020603050405020304" pitchFamily="18" charset="0"/>
-            </a:endParaRPr>
-          </a:p>
-          <a:p>
-            <a:pPr marL="342900" indent="-342900">
-              <a:buFont typeface="Arial" panose="020B0604020202020204" pitchFamily="34" charset="0"/>
-              <a:buChar char="•"/>
-            </a:pPr>
-            <a:r>
-              <a:rPr lang="en-US" sz="2400" dirty="0">
-                <a:latin typeface="Times New Roman" panose="02020603050405020304" pitchFamily="18" charset="0"/>
-                <a:ea typeface="MS Mincho" panose="02020609040205080304" pitchFamily="49" charset="-128"/>
-                <a:cs typeface="Times New Roman" panose="02020603050405020304" pitchFamily="18" charset="0"/>
-              </a:rPr>
-              <a:t>Project form to be filled out and signed by student and research advisor in less than 3 weeks</a:t>
-            </a:r>
-          </a:p>
-          <a:p>
-            <a:pPr marL="342900" indent="-342900">
-              <a:buFont typeface="Arial" panose="020B0604020202020204" pitchFamily="34" charset="0"/>
-              <a:buChar char="•"/>
-            </a:pPr>
-            <a:endParaRPr lang="en-US" sz="800" dirty="0">
-              <a:latin typeface="Times New Roman" panose="02020603050405020304" pitchFamily="18" charset="0"/>
-              <a:ea typeface="MS Mincho" panose="02020609040205080304" pitchFamily="49" charset="-128"/>
-              <a:cs typeface="Times New Roman" panose="02020603050405020304" pitchFamily="18" charset="0"/>
-            </a:endParaRPr>
-          </a:p>
-          <a:p>
-            <a:pPr marL="342900" indent="-342900">
-              <a:buFont typeface="Arial" panose="020B0604020202020204" pitchFamily="34" charset="0"/>
-              <a:buChar char="•"/>
-            </a:pPr>
-            <a:r>
-              <a:rPr lang="en-US" sz="2400" dirty="0">
-                <a:latin typeface="Times New Roman" panose="02020603050405020304" pitchFamily="18" charset="0"/>
-                <a:ea typeface="MS Mincho" panose="02020609040205080304" pitchFamily="49" charset="-128"/>
-                <a:cs typeface="Times New Roman" panose="02020603050405020304" pitchFamily="18" charset="0"/>
-              </a:rPr>
-              <a:t>No research project yet? Start contacting possible advisors!</a:t>
-            </a:r>
-          </a:p>
-          <a:p>
-            <a:pPr marL="342900" indent="-342900">
-              <a:buFont typeface="Arial" panose="020B0604020202020204" pitchFamily="34" charset="0"/>
-              <a:buChar char="•"/>
-            </a:pPr>
-            <a:endParaRPr lang="en-US" sz="800" dirty="0">
-              <a:latin typeface="Times New Roman" panose="02020603050405020304" pitchFamily="18" charset="0"/>
-              <a:ea typeface="MS Mincho" panose="02020609040205080304" pitchFamily="49" charset="-128"/>
-              <a:cs typeface="Times New Roman" panose="02020603050405020304" pitchFamily="18" charset="0"/>
-            </a:endParaRPr>
-          </a:p>
-          <a:p>
-            <a:pPr marL="342900" indent="-342900">
-              <a:buFont typeface="Arial" panose="020B0604020202020204" pitchFamily="34" charset="0"/>
-              <a:buChar char="•"/>
-            </a:pPr>
-            <a:r>
-              <a:rPr lang="en-US" sz="2400" dirty="0">
-                <a:latin typeface="Times New Roman" panose="02020603050405020304" pitchFamily="18" charset="0"/>
-                <a:ea typeface="MS Mincho" panose="02020609040205080304" pitchFamily="49" charset="-128"/>
-                <a:cs typeface="Times New Roman" panose="02020603050405020304" pitchFamily="18" charset="0"/>
-              </a:rPr>
-              <a:t>Found a research advisor? Start reading on the topic!</a:t>
-            </a:r>
-          </a:p>
-          <a:p>
-            <a:pPr marL="342900" indent="-342900">
-              <a:buFont typeface="Arial" panose="020B0604020202020204" pitchFamily="34" charset="0"/>
-              <a:buChar char="•"/>
-            </a:pPr>
-            <a:endParaRPr lang="en-US" sz="800" dirty="0">
-              <a:latin typeface="Times New Roman" panose="02020603050405020304" pitchFamily="18" charset="0"/>
-              <a:ea typeface="MS Mincho" panose="02020609040205080304" pitchFamily="49" charset="-128"/>
-              <a:cs typeface="Times New Roman" panose="02020603050405020304" pitchFamily="18" charset="0"/>
-            </a:endParaRPr>
-          </a:p>
-          <a:p>
-            <a:pPr marL="342900" indent="-342900">
-              <a:buFont typeface="Arial" panose="020B0604020202020204" pitchFamily="34" charset="0"/>
-              <a:buChar char="•"/>
-            </a:pPr>
-            <a:r>
-              <a:rPr lang="en-US" sz="2400" dirty="0">
-                <a:latin typeface="Times New Roman" panose="02020603050405020304" pitchFamily="18" charset="0"/>
-                <a:ea typeface="MS Mincho" panose="02020609040205080304" pitchFamily="49" charset="-128"/>
-                <a:cs typeface="Times New Roman" panose="02020603050405020304" pitchFamily="18" charset="0"/>
-              </a:rPr>
-              <a:t>Familiar with the topic? Start writing an abstract and preparing a presentation!</a:t>
-            </a:r>
-          </a:p>
-        </p:txBody>
-      </p:sp>
-    </p:spTree>
-    <p:extLst>
-      <p:ext uri="{BB962C8B-B14F-4D97-AF65-F5344CB8AC3E}">
-        <p14:creationId xmlns:p14="http://schemas.microsoft.com/office/powerpoint/2010/main" val="3430322774"/>
+        <p14:creationId xmlns:p14="http://schemas.microsoft.com/office/powerpoint/2010/main" val="1953137293"/>
       </p:ext>
     </p:extLst>
   </p:cSld>

--- a/Slides/Class21.pptx
+++ b/Slides/Class21.pptx
@@ -227,7 +227,7 @@
           <a:p>
             <a:fld id="{C24322AF-E05B-7249-906C-FBAC6154C037}" type="datetimeFigureOut">
               <a:rPr lang="en-US" smtClean="0"/>
-              <a:t>1/24/21</a:t>
+              <a:t>6/18/25</a:t>
             </a:fld>
             <a:endParaRPr lang="en-US"/>
           </a:p>
@@ -393,7 +393,7 @@
             <a:fld id="{06A43BE5-3BD4-F642-8751-88A31D8D6D13}" type="datetimeFigureOut">
               <a:rPr lang="en-US" smtClean="0"/>
               <a:pPr/>
-              <a:t>1/24/21</a:t>
+              <a:t>6/18/25</a:t>
             </a:fld>
             <a:endParaRPr lang="en-US"/>
           </a:p>
@@ -936,7 +936,7 @@
             <a:fld id="{A4FA2B0E-4818-9849-9CF1-1031FD4E1DAB}" type="datetimeFigureOut">
               <a:rPr lang="en-US" smtClean="0"/>
               <a:pPr/>
-              <a:t>1/24/21</a:t>
+              <a:t>6/18/25</a:t>
             </a:fld>
             <a:endParaRPr lang="en-US"/>
           </a:p>
@@ -1101,7 +1101,7 @@
             <a:fld id="{A4FA2B0E-4818-9849-9CF1-1031FD4E1DAB}" type="datetimeFigureOut">
               <a:rPr lang="en-US" smtClean="0"/>
               <a:pPr/>
-              <a:t>1/24/21</a:t>
+              <a:t>6/18/25</a:t>
             </a:fld>
             <a:endParaRPr lang="en-US"/>
           </a:p>
@@ -1276,7 +1276,7 @@
             <a:fld id="{A4FA2B0E-4818-9849-9CF1-1031FD4E1DAB}" type="datetimeFigureOut">
               <a:rPr lang="en-US" smtClean="0"/>
               <a:pPr/>
-              <a:t>1/24/21</a:t>
+              <a:t>6/18/25</a:t>
             </a:fld>
             <a:endParaRPr lang="en-US"/>
           </a:p>
@@ -1441,7 +1441,7 @@
             <a:fld id="{A4FA2B0E-4818-9849-9CF1-1031FD4E1DAB}" type="datetimeFigureOut">
               <a:rPr lang="en-US" smtClean="0"/>
               <a:pPr/>
-              <a:t>1/24/21</a:t>
+              <a:t>6/18/25</a:t>
             </a:fld>
             <a:endParaRPr lang="en-US"/>
           </a:p>
@@ -1683,7 +1683,7 @@
             <a:fld id="{A4FA2B0E-4818-9849-9CF1-1031FD4E1DAB}" type="datetimeFigureOut">
               <a:rPr lang="en-US" smtClean="0"/>
               <a:pPr/>
-              <a:t>1/24/21</a:t>
+              <a:t>6/18/25</a:t>
             </a:fld>
             <a:endParaRPr lang="en-US"/>
           </a:p>
@@ -1965,7 +1965,7 @@
             <a:fld id="{A4FA2B0E-4818-9849-9CF1-1031FD4E1DAB}" type="datetimeFigureOut">
               <a:rPr lang="en-US" smtClean="0"/>
               <a:pPr/>
-              <a:t>1/24/21</a:t>
+              <a:t>6/18/25</a:t>
             </a:fld>
             <a:endParaRPr lang="en-US"/>
           </a:p>
@@ -2381,7 +2381,7 @@
             <a:fld id="{A4FA2B0E-4818-9849-9CF1-1031FD4E1DAB}" type="datetimeFigureOut">
               <a:rPr lang="en-US" smtClean="0"/>
               <a:pPr/>
-              <a:t>1/24/21</a:t>
+              <a:t>6/18/25</a:t>
             </a:fld>
             <a:endParaRPr lang="en-US"/>
           </a:p>
@@ -2495,7 +2495,7 @@
             <a:fld id="{A4FA2B0E-4818-9849-9CF1-1031FD4E1DAB}" type="datetimeFigureOut">
               <a:rPr lang="en-US" smtClean="0"/>
               <a:pPr/>
-              <a:t>1/24/21</a:t>
+              <a:t>6/18/25</a:t>
             </a:fld>
             <a:endParaRPr lang="en-US"/>
           </a:p>
@@ -2587,7 +2587,7 @@
             <a:fld id="{A4FA2B0E-4818-9849-9CF1-1031FD4E1DAB}" type="datetimeFigureOut">
               <a:rPr lang="en-US" smtClean="0"/>
               <a:pPr/>
-              <a:t>1/24/21</a:t>
+              <a:t>6/18/25</a:t>
             </a:fld>
             <a:endParaRPr lang="en-US"/>
           </a:p>
@@ -2859,7 +2859,7 @@
             <a:fld id="{A4FA2B0E-4818-9849-9CF1-1031FD4E1DAB}" type="datetimeFigureOut">
               <a:rPr lang="en-US" smtClean="0"/>
               <a:pPr/>
-              <a:t>1/24/21</a:t>
+              <a:t>6/18/25</a:t>
             </a:fld>
             <a:endParaRPr lang="en-US"/>
           </a:p>
@@ -3108,7 +3108,7 @@
             <a:fld id="{A4FA2B0E-4818-9849-9CF1-1031FD4E1DAB}" type="datetimeFigureOut">
               <a:rPr lang="en-US" smtClean="0"/>
               <a:pPr/>
-              <a:t>1/24/21</a:t>
+              <a:t>6/18/25</a:t>
             </a:fld>
             <a:endParaRPr lang="en-US"/>
           </a:p>
@@ -3316,7 +3316,7 @@
             <a:fld id="{A4FA2B0E-4818-9849-9CF1-1031FD4E1DAB}" type="datetimeFigureOut">
               <a:rPr lang="en-US" smtClean="0"/>
               <a:pPr/>
-              <a:t>1/24/21</a:t>
+              <a:t>6/18/25</a:t>
             </a:fld>
             <a:endParaRPr lang="en-US"/>
           </a:p>
